--- a/immigrantSongPowerpoint.pptx
+++ b/immigrantSongPowerpoint.pptx
@@ -238,7 +238,7 @@
           <a:p>
             <a:fld id="{C86F8DD9-31C6-4AC1-9FDE-CF0F8903F8DD}" type="datetimeFigureOut">
               <a:rPr lang="en-US" smtClean="0"/>
-              <a:t>4/28/2013</a:t>
+              <a:t>4/28/13</a:t>
             </a:fld>
             <a:endParaRPr lang="en-US"/>
           </a:p>
@@ -408,7 +408,7 @@
           <a:p>
             <a:fld id="{C86F8DD9-31C6-4AC1-9FDE-CF0F8903F8DD}" type="datetimeFigureOut">
               <a:rPr lang="en-US" smtClean="0"/>
-              <a:t>4/28/2013</a:t>
+              <a:t>4/28/13</a:t>
             </a:fld>
             <a:endParaRPr lang="en-US"/>
           </a:p>
@@ -588,7 +588,7 @@
           <a:p>
             <a:fld id="{C86F8DD9-31C6-4AC1-9FDE-CF0F8903F8DD}" type="datetimeFigureOut">
               <a:rPr lang="en-US" smtClean="0"/>
-              <a:t>4/28/2013</a:t>
+              <a:t>4/28/13</a:t>
             </a:fld>
             <a:endParaRPr lang="en-US"/>
           </a:p>
@@ -758,7 +758,7 @@
           <a:p>
             <a:fld id="{C86F8DD9-31C6-4AC1-9FDE-CF0F8903F8DD}" type="datetimeFigureOut">
               <a:rPr lang="en-US" smtClean="0"/>
-              <a:t>4/28/2013</a:t>
+              <a:t>4/28/13</a:t>
             </a:fld>
             <a:endParaRPr lang="en-US"/>
           </a:p>
@@ -1004,7 +1004,7 @@
           <a:p>
             <a:fld id="{C86F8DD9-31C6-4AC1-9FDE-CF0F8903F8DD}" type="datetimeFigureOut">
               <a:rPr lang="en-US" smtClean="0"/>
-              <a:t>4/28/2013</a:t>
+              <a:t>4/28/13</a:t>
             </a:fld>
             <a:endParaRPr lang="en-US"/>
           </a:p>
@@ -1236,7 +1236,7 @@
           <a:p>
             <a:fld id="{C86F8DD9-31C6-4AC1-9FDE-CF0F8903F8DD}" type="datetimeFigureOut">
               <a:rPr lang="en-US" smtClean="0"/>
-              <a:t>4/28/2013</a:t>
+              <a:t>4/28/13</a:t>
             </a:fld>
             <a:endParaRPr lang="en-US"/>
           </a:p>
@@ -1603,7 +1603,7 @@
           <a:p>
             <a:fld id="{C86F8DD9-31C6-4AC1-9FDE-CF0F8903F8DD}" type="datetimeFigureOut">
               <a:rPr lang="en-US" smtClean="0"/>
-              <a:t>4/28/2013</a:t>
+              <a:t>4/28/13</a:t>
             </a:fld>
             <a:endParaRPr lang="en-US"/>
           </a:p>
@@ -1721,7 +1721,7 @@
           <a:p>
             <a:fld id="{C86F8DD9-31C6-4AC1-9FDE-CF0F8903F8DD}" type="datetimeFigureOut">
               <a:rPr lang="en-US" smtClean="0"/>
-              <a:t>4/28/2013</a:t>
+              <a:t>4/28/13</a:t>
             </a:fld>
             <a:endParaRPr lang="en-US"/>
           </a:p>
@@ -1816,7 +1816,7 @@
           <a:p>
             <a:fld id="{C86F8DD9-31C6-4AC1-9FDE-CF0F8903F8DD}" type="datetimeFigureOut">
               <a:rPr lang="en-US" smtClean="0"/>
-              <a:t>4/28/2013</a:t>
+              <a:t>4/28/13</a:t>
             </a:fld>
             <a:endParaRPr lang="en-US"/>
           </a:p>
@@ -2093,7 +2093,7 @@
           <a:p>
             <a:fld id="{C86F8DD9-31C6-4AC1-9FDE-CF0F8903F8DD}" type="datetimeFigureOut">
               <a:rPr lang="en-US" smtClean="0"/>
-              <a:t>4/28/2013</a:t>
+              <a:t>4/28/13</a:t>
             </a:fld>
             <a:endParaRPr lang="en-US"/>
           </a:p>
@@ -2346,7 +2346,7 @@
           <a:p>
             <a:fld id="{C86F8DD9-31C6-4AC1-9FDE-CF0F8903F8DD}" type="datetimeFigureOut">
               <a:rPr lang="en-US" smtClean="0"/>
-              <a:t>4/28/2013</a:t>
+              <a:t>4/28/13</a:t>
             </a:fld>
             <a:endParaRPr lang="en-US"/>
           </a:p>
@@ -2559,7 +2559,7 @@
           <a:p>
             <a:fld id="{C86F8DD9-31C6-4AC1-9FDE-CF0F8903F8DD}" type="datetimeFigureOut">
               <a:rPr lang="en-US" smtClean="0"/>
-              <a:t>4/28/2013</a:t>
+              <a:t>4/28/13</a:t>
             </a:fld>
             <a:endParaRPr lang="en-US"/>
           </a:p>
@@ -3034,7 +3034,7 @@
           </a:prstGeom>
           <a:noFill/>
           <a:extLst>
-            <a:ext uri="{909E8E84-426E-40DD-AFC4-6F175D3DCCD1}">
+            <a:ext uri="{909E8E84-426E-40dd-AFC4-6F175D3DCCD1}">
               <a14:hiddenFill xmlns:a14="http://schemas.microsoft.com/office/drawing/2010/main">
                 <a:solidFill>
                   <a:srgbClr val="FFFFFF"/>
@@ -3092,7 +3092,7 @@
             </a:glow>
           </a:effectLst>
           <a:extLst>
-            <a:ext uri="{909E8E84-426E-40DD-AFC4-6F175D3DCCD1}">
+            <a:ext uri="{909E8E84-426E-40dd-AFC4-6F175D3DCCD1}">
               <a14:hiddenFill xmlns:a14="http://schemas.microsoft.com/office/drawing/2010/main">
                 <a:solidFill>
                   <a:srgbClr val="FFFFFF"/>
@@ -3167,7 +3167,7 @@
             </a:outerShdw>
           </a:effectLst>
           <a:extLst>
-            <a:ext uri="{909E8E84-426E-40DD-AFC4-6F175D3DCCD1}">
+            <a:ext uri="{909E8E84-426E-40dd-AFC4-6F175D3DCCD1}">
               <a14:hiddenFill xmlns:a14="http://schemas.microsoft.com/office/drawing/2010/main">
                 <a:solidFill>
                   <a:srgbClr val="FFFFFF"/>
@@ -3244,6 +3244,47 @@
           </a:p>
         </p:txBody>
       </p:sp>
+      <p:sp>
+        <p:nvSpPr>
+          <p:cNvPr id="5" name="TextBox 4"/>
+          <p:cNvSpPr txBox="1"/>
+          <p:nvPr/>
+        </p:nvSpPr>
+        <p:spPr>
+          <a:xfrm>
+            <a:off x="78757" y="5657671"/>
+            <a:ext cx="3042159" cy="1200329"/>
+          </a:xfrm>
+          <a:prstGeom prst="rect">
+            <a:avLst/>
+          </a:prstGeom>
+          <a:noFill/>
+        </p:spPr>
+        <p:txBody>
+          <a:bodyPr wrap="square" rtlCol="0">
+            <a:spAutoFit/>
+          </a:bodyPr>
+          <a:lstStyle/>
+          <a:p>
+            <a:r>
+              <a:rPr lang="en-US" sz="3600" dirty="0" smtClean="0"/>
+              <a:t>Nick </a:t>
+            </a:r>
+            <a:r>
+              <a:rPr lang="en-US" sz="3600" dirty="0" err="1" smtClean="0"/>
+              <a:t>Melnyk</a:t>
+            </a:r>
+            <a:endParaRPr lang="en-US" sz="3600" dirty="0" smtClean="0"/>
+          </a:p>
+          <a:p>
+            <a:r>
+              <a:rPr lang="en-US" sz="3600" dirty="0" smtClean="0"/>
+              <a:t>Ana Parra</a:t>
+            </a:r>
+            <a:endParaRPr lang="en-US" sz="3600" dirty="0"/>
+          </a:p>
+        </p:txBody>
+      </p:sp>
     </p:spTree>
     <p:extLst>
       <p:ext uri="{BB962C8B-B14F-4D97-AF65-F5344CB8AC3E}">
@@ -3257,7 +3298,7 @@
   <p:timing>
     <p:tnLst>
       <p:par>
-        <p:cTn id="1" dur="indefinite" restart="never" nodeType="tmRoot"/>
+        <p:cTn xmlns:p14="http://schemas.microsoft.com/office/powerpoint/2010/main" id="1" dur="indefinite" restart="never" nodeType="tmRoot"/>
       </p:par>
     </p:tnLst>
   </p:timing>
@@ -3307,7 +3348,7 @@
     </a:clrScheme>
     <a:fontScheme name="Office">
       <a:majorFont>
-        <a:latin typeface="Calibri Light" panose="020F0302020204030204"/>
+        <a:latin typeface="Calibri Light"/>
         <a:ea typeface=""/>
         <a:cs typeface=""/>
         <a:font script="Jpan" typeface="ＭＳ Ｐゴシック"/>
@@ -3342,7 +3383,7 @@
         <a:font script="Geor" typeface="Sylfaen"/>
       </a:majorFont>
       <a:minorFont>
-        <a:latin typeface="Calibri" panose="020F0502020204030204"/>
+        <a:latin typeface="Calibri"/>
         <a:ea typeface=""/>
         <a:cs typeface=""/>
         <a:font script="Jpan" typeface="ＭＳ Ｐゴシック"/>
@@ -3519,7 +3560,7 @@
   <a:extraClrSchemeLst/>
   <a:extLst>
     <a:ext uri="{05A4C25C-085E-4340-85A3-A5531E510DB2}">
-      <thm15:themeFamily xmlns:thm15="http://schemas.microsoft.com/office/thememl/2012/main" name="Office Theme" id="{62F939B6-93AF-4DB8-9C6B-D6C7DFDC589F}" vid="{4A3C46E8-61CC-4603-A589-7422A47A8E4A}"/>
+      <thm15:themeFamily xmlns:thm15="http://schemas.microsoft.com/office/thememl/2012/main" xmlns="" name="Office Theme" id="{62F939B6-93AF-4DB8-9C6B-D6C7DFDC589F}" vid="{4A3C46E8-61CC-4603-A589-7422A47A8E4A}"/>
     </a:ext>
   </a:extLst>
 </a:theme>
